--- a/org.faktorips.doc/schulung/anwendungsentwicklung2/FaktorIPS-Schulung 3-D - Tabellen.pptx
+++ b/org.faktorips.doc/schulung/anwendungsentwicklung2/FaktorIPS-Schulung 3-D - Tabellen.pptx
@@ -2152,7 +2152,7 @@
           <a:p>
             <a:fld id="{DF10FEFE-DAB1-467B-A2AE-3B13AEE3F872}" type="datetime1">
               <a:rPr lang="de-DE" smtClean="0"/>
-              <a:t>17.05.2013</a:t>
+              <a:t>16.04.2015</a:t>
             </a:fld>
             <a:endParaRPr lang="de-DE" dirty="0"/>
           </a:p>
@@ -3485,7 +3485,7 @@
           <a:p>
             <a:fld id="{8D341BDE-1617-4C2E-97E2-E09286E3D46D}" type="datetime1">
               <a:rPr lang="de-DE" smtClean="0"/>
-              <a:t>17.05.2013</a:t>
+              <a:t>16.04.2015</a:t>
             </a:fld>
             <a:endParaRPr lang="de-DE" dirty="0"/>
           </a:p>
@@ -3642,7 +3642,7 @@
           <a:p>
             <a:fld id="{371CAFBD-97AF-4D79-868D-7638DC09034B}" type="datetime1">
               <a:rPr lang="de-DE" smtClean="0"/>
-              <a:t>17.05.2013</a:t>
+              <a:t>16.04.2015</a:t>
             </a:fld>
             <a:endParaRPr lang="de-DE" dirty="0"/>
           </a:p>
@@ -4584,7 +4584,7 @@
           <a:p>
             <a:fld id="{B10BA618-993F-48A7-8E34-E287B296ABCF}" type="datetime1">
               <a:rPr lang="de-DE" smtClean="0"/>
-              <a:t>17.05.2013</a:t>
+              <a:t>16.04.2015</a:t>
             </a:fld>
             <a:endParaRPr lang="de-DE" dirty="0"/>
           </a:p>
@@ -4761,7 +4761,7 @@
           <a:p>
             <a:fld id="{0C48E6C7-A219-41B3-ADC2-79424A19BDE4}" type="datetime1">
               <a:rPr lang="de-DE" smtClean="0"/>
-              <a:t>17.05.2013</a:t>
+              <a:t>16.04.2015</a:t>
             </a:fld>
             <a:endParaRPr lang="de-DE" dirty="0"/>
           </a:p>
@@ -4966,7 +4966,7 @@
           <a:p>
             <a:fld id="{13BC860C-D3B5-4AF9-8CFD-EF0E48C4AA5A}" type="datetime1">
               <a:rPr lang="de-DE" smtClean="0"/>
-              <a:t>17.05.2013</a:t>
+              <a:t>16.04.2015</a:t>
             </a:fld>
             <a:endParaRPr lang="de-DE" dirty="0"/>
           </a:p>
@@ -5138,7 +5138,7 @@
           <a:p>
             <a:fld id="{67CD7EEF-3C07-4729-BA7A-5FD63B792D1E}" type="datetime1">
               <a:rPr lang="de-DE" smtClean="0"/>
-              <a:t>17.05.2013</a:t>
+              <a:t>16.04.2015</a:t>
             </a:fld>
             <a:endParaRPr lang="de-DE" dirty="0"/>
           </a:p>
@@ -5359,7 +5359,7 @@
           <a:p>
             <a:fld id="{ACE28B42-047E-4A56-8101-0CF75205E437}" type="datetime1">
               <a:rPr lang="de-DE" smtClean="0"/>
-              <a:t>17.05.2013</a:t>
+              <a:t>16.04.2015</a:t>
             </a:fld>
             <a:endParaRPr lang="de-DE" dirty="0"/>
           </a:p>
@@ -5557,7 +5557,7 @@
           <a:p>
             <a:fld id="{AFE89540-250F-41EC-BCE9-A75F2BCF8754}" type="datetime1">
               <a:rPr lang="de-DE" smtClean="0"/>
-              <a:t>17.05.2013</a:t>
+              <a:t>16.04.2015</a:t>
             </a:fld>
             <a:endParaRPr lang="de-DE" dirty="0"/>
           </a:p>
@@ -6824,7 +6824,7 @@
           <a:p>
             <a:fld id="{2A42D6B1-8388-4D14-BA62-7B84B0A0C28A}" type="datetime1">
               <a:rPr lang="de-DE" smtClean="0"/>
-              <a:t>17.05.2013</a:t>
+              <a:t>16.04.2015</a:t>
             </a:fld>
             <a:endParaRPr lang="de-DE" dirty="0"/>
           </a:p>
@@ -7812,7 +7812,7 @@
           <a:p>
             <a:fld id="{33404396-0DD1-4BDA-955D-04767A46BA79}" type="datetime1">
               <a:rPr lang="de-DE" smtClean="0"/>
-              <a:t>17.05.2013</a:t>
+              <a:t>16.04.2015</a:t>
             </a:fld>
             <a:endParaRPr lang="de-DE" dirty="0"/>
           </a:p>
@@ -8383,7 +8383,7 @@
           <a:p>
             <a:fld id="{456AF402-4F41-4558-A929-2557E1093A6B}" type="datetime1">
               <a:rPr lang="de-DE" smtClean="0"/>
-              <a:t>17.05.2013</a:t>
+              <a:t>16.04.2015</a:t>
             </a:fld>
             <a:endParaRPr lang="de-DE" dirty="0"/>
           </a:p>
@@ -9874,7 +9874,7 @@
           <a:p>
             <a:fld id="{A5658EB7-4B29-4EE3-84DA-25A98D84AB08}" type="datetime1">
               <a:rPr lang="de-DE" smtClean="0"/>
-              <a:t>17.05.2013</a:t>
+              <a:t>16.04.2015</a:t>
             </a:fld>
             <a:endParaRPr lang="de-DE" dirty="0"/>
           </a:p>
@@ -10506,7 +10506,7 @@
           <a:p>
             <a:fld id="{E3D9BFCC-C58E-4AF8-85D6-D9B58E1D80B4}" type="datetime1">
               <a:rPr lang="de-DE" smtClean="0"/>
-              <a:t>17.05.2013</a:t>
+              <a:t>16.04.2015</a:t>
             </a:fld>
             <a:endParaRPr lang="de-DE" dirty="0"/>
           </a:p>
@@ -11404,22 +11404,7 @@
                           <a:ea typeface="+mn-ea"/>
                           <a:cs typeface="+mn-cs"/>
                         </a:rPr>
-                        <a:t> </a:t>
-                      </a:r>
-                      <a:r>
-                        <a:rPr kumimoji="0" lang="en-US" sz="1600" b="0" i="0" u="none" strike="noStrike" kern="1200" cap="none" normalizeH="0" baseline="0" dirty="0" smtClean="0">
-                          <a:ln>
-                            <a:noFill/>
-                          </a:ln>
-                          <a:solidFill>
-                            <a:schemeClr val="tx1"/>
-                          </a:solidFill>
-                          <a:effectLst/>
-                          <a:latin typeface="Arial" pitchFamily="34" charset="0"/>
-                          <a:ea typeface="+mn-ea"/>
-                          <a:cs typeface="+mn-cs"/>
-                        </a:rPr>
-                        <a:t>und </a:t>
+                        <a:t> und </a:t>
                       </a:r>
                       <a:r>
                         <a:rPr kumimoji="0" lang="en-US" sz="1600" b="0" i="0" u="none" strike="noStrike" kern="1200" cap="none" normalizeH="0" baseline="0" dirty="0" err="1" smtClean="0">
@@ -12045,6 +12030,9 @@
             <a:chOff x="254719" y="1638296"/>
             <a:chExt cx="3600000" cy="2025882"/>
           </a:xfrm>
+          <a:solidFill>
+            <a:schemeClr val="bg1"/>
+          </a:solidFill>
         </p:grpSpPr>
         <p:sp>
           <p:nvSpPr>
@@ -12066,9 +12054,7 @@
             <a:prstGeom prst="rect">
               <a:avLst/>
             </a:prstGeom>
-            <a:solidFill>
-              <a:schemeClr val="bg1"/>
-            </a:solidFill>
+            <a:grpFill/>
             <a:ln w="12700">
               <a:solidFill>
                 <a:schemeClr val="tx1"/>
@@ -12211,9 +12197,7 @@
             <a:prstGeom prst="rect">
               <a:avLst/>
             </a:prstGeom>
-            <a:solidFill>
-              <a:srgbClr val="7A51C5"/>
-            </a:solidFill>
+            <a:grpFill/>
             <a:ln w="9525">
               <a:solidFill>
                 <a:schemeClr val="tx1"/>
@@ -12233,13 +12217,18 @@
                 </a:spcAft>
               </a:pPr>
               <a:r>
-                <a:rPr lang="en-US" sz="1200" smtClean="0">
+                <a:rPr lang="en-US" sz="1200" dirty="0" err="1" smtClean="0">
                   <a:solidFill>
-                    <a:srgbClr val="FFFFFF"/>
+                    <a:schemeClr val="tx2"/>
                   </a:solidFill>
                 </a:rPr>
                 <a:t>HausratVertrag</a:t>
               </a:r>
+              <a:endParaRPr lang="en-US" sz="1200" dirty="0" smtClean="0">
+                <a:solidFill>
+                  <a:schemeClr val="tx2"/>
+                </a:solidFill>
+              </a:endParaRPr>
             </a:p>
           </p:txBody>
         </p:sp>
@@ -12259,6 +12248,9 @@
             <a:chOff x="254719" y="1638296"/>
             <a:chExt cx="3600000" cy="2025882"/>
           </a:xfrm>
+          <a:solidFill>
+            <a:schemeClr val="bg1"/>
+          </a:solidFill>
         </p:grpSpPr>
         <p:sp>
           <p:nvSpPr>
@@ -12280,9 +12272,7 @@
             <a:prstGeom prst="rect">
               <a:avLst/>
             </a:prstGeom>
-            <a:solidFill>
-              <a:schemeClr val="bg1"/>
-            </a:solidFill>
+            <a:grpFill/>
             <a:ln w="12700">
               <a:solidFill>
                 <a:schemeClr val="tx1"/>
@@ -12335,9 +12325,7 @@
             <a:prstGeom prst="rect">
               <a:avLst/>
             </a:prstGeom>
-            <a:solidFill>
-              <a:srgbClr val="7A51C5"/>
-            </a:solidFill>
+            <a:grpFill/>
             <a:ln w="9525">
               <a:solidFill>
                 <a:schemeClr val="tx1"/>
@@ -12357,13 +12345,18 @@
                 </a:spcAft>
               </a:pPr>
               <a:r>
-                <a:rPr lang="en-US" sz="1200" smtClean="0">
+                <a:rPr lang="en-US" sz="1200" dirty="0" err="1" smtClean="0">
                   <a:solidFill>
-                    <a:srgbClr val="FFFFFF"/>
+                    <a:schemeClr val="tx2"/>
                   </a:solidFill>
                 </a:rPr>
                 <a:t>HausratProdukt</a:t>
               </a:r>
+              <a:endParaRPr lang="en-US" sz="1200" dirty="0" smtClean="0">
+                <a:solidFill>
+                  <a:schemeClr val="tx2"/>
+                </a:solidFill>
+              </a:endParaRPr>
             </a:p>
           </p:txBody>
         </p:sp>
@@ -12383,6 +12376,9 @@
             <a:chOff x="254719" y="1019700"/>
             <a:chExt cx="3600000" cy="2644478"/>
           </a:xfrm>
+          <a:solidFill>
+            <a:schemeClr val="bg1"/>
+          </a:solidFill>
         </p:grpSpPr>
         <p:sp>
           <p:nvSpPr>
@@ -12404,9 +12400,7 @@
             <a:prstGeom prst="rect">
               <a:avLst/>
             </a:prstGeom>
-            <a:solidFill>
-              <a:schemeClr val="bg1"/>
-            </a:solidFill>
+            <a:grpFill/>
             <a:ln w="12700">
               <a:solidFill>
                 <a:schemeClr val="tx1"/>
@@ -12456,9 +12450,7 @@
             <a:prstGeom prst="rect">
               <a:avLst/>
             </a:prstGeom>
-            <a:solidFill>
-              <a:srgbClr val="7A51C5"/>
-            </a:solidFill>
+            <a:grpFill/>
             <a:ln w="9525">
               <a:solidFill>
                 <a:schemeClr val="tx1"/>
@@ -12478,13 +12470,18 @@
                 </a:spcAft>
               </a:pPr>
               <a:r>
-                <a:rPr lang="en-US" sz="1200" smtClean="0">
+                <a:rPr lang="en-US" sz="1200" dirty="0" err="1" smtClean="0">
                   <a:solidFill>
-                    <a:srgbClr val="FFFFFF"/>
+                    <a:schemeClr val="tx2"/>
                   </a:solidFill>
                 </a:rPr>
                 <a:t>HausratGrunddeckung</a:t>
               </a:r>
+              <a:endParaRPr lang="en-US" sz="1200" dirty="0" smtClean="0">
+                <a:solidFill>
+                  <a:schemeClr val="tx2"/>
+                </a:solidFill>
+              </a:endParaRPr>
             </a:p>
           </p:txBody>
         </p:sp>
@@ -12504,6 +12501,9 @@
             <a:chOff x="254719" y="1410244"/>
             <a:chExt cx="3600000" cy="2253934"/>
           </a:xfrm>
+          <a:solidFill>
+            <a:schemeClr val="bg1"/>
+          </a:solidFill>
         </p:grpSpPr>
         <p:sp>
           <p:nvSpPr>
@@ -12525,9 +12525,7 @@
             <a:prstGeom prst="rect">
               <a:avLst/>
             </a:prstGeom>
-            <a:solidFill>
-              <a:schemeClr val="bg1"/>
-            </a:solidFill>
+            <a:grpFill/>
             <a:ln w="12700">
               <a:solidFill>
                 <a:schemeClr val="tx1"/>
@@ -12577,9 +12575,7 @@
             <a:prstGeom prst="rect">
               <a:avLst/>
             </a:prstGeom>
-            <a:solidFill>
-              <a:srgbClr val="7A51C5"/>
-            </a:solidFill>
+            <a:grpFill/>
             <a:ln w="9525">
               <a:solidFill>
                 <a:schemeClr val="tx1"/>
@@ -12599,13 +12595,26 @@
                 </a:spcAft>
               </a:pPr>
               <a:r>
-                <a:rPr lang="en-US" sz="1100" smtClean="0">
+                <a:rPr lang="en-US" sz="1100" dirty="0" smtClean="0">
                   <a:solidFill>
                     <a:srgbClr val="FFFFFF"/>
                   </a:solidFill>
                 </a:rPr>
-                <a:t>    HausratGrunddeckungstyp</a:t>
+                <a:t>    </a:t>
               </a:r>
+              <a:r>
+                <a:rPr lang="en-US" sz="1100" dirty="0" err="1" smtClean="0">
+                  <a:solidFill>
+                    <a:schemeClr val="tx2"/>
+                  </a:solidFill>
+                </a:rPr>
+                <a:t>HausratGrunddeckungstyp</a:t>
+              </a:r>
+              <a:endParaRPr lang="en-US" sz="1100" dirty="0" smtClean="0">
+                <a:solidFill>
+                  <a:schemeClr val="tx2"/>
+                </a:solidFill>
+              </a:endParaRPr>
             </a:p>
           </p:txBody>
         </p:sp>
@@ -13405,6 +13414,9 @@
             <a:chOff x="254719" y="1019700"/>
             <a:chExt cx="3600000" cy="2644478"/>
           </a:xfrm>
+          <a:solidFill>
+            <a:schemeClr val="bg1"/>
+          </a:solidFill>
         </p:grpSpPr>
         <p:sp>
           <p:nvSpPr>
@@ -13426,9 +13438,7 @@
             <a:prstGeom prst="rect">
               <a:avLst/>
             </a:prstGeom>
-            <a:solidFill>
-              <a:schemeClr val="bg1"/>
-            </a:solidFill>
+            <a:grpFill/>
             <a:ln w="12700">
               <a:solidFill>
                 <a:schemeClr val="tx1"/>
@@ -13478,9 +13488,7 @@
             <a:prstGeom prst="rect">
               <a:avLst/>
             </a:prstGeom>
-            <a:solidFill>
-              <a:srgbClr val="7A51C5"/>
-            </a:solidFill>
+            <a:grpFill/>
             <a:ln w="9525">
               <a:solidFill>
                 <a:schemeClr val="tx1"/>
@@ -13496,24 +13504,42 @@
             <a:p>
               <a:pPr algn="ctr" defTabSz="857250"/>
               <a:r>
-                <a:rPr lang="en-US" sz="1000" smtClean="0">
+                <a:rPr lang="en-US" sz="1000" dirty="0" smtClean="0">
                   <a:solidFill>
-                    <a:srgbClr val="FFFFFF"/>
+                    <a:schemeClr val="tx2"/>
                   </a:solidFill>
                 </a:rPr>
-                <a:t> HausratGrunddeckungstyp</a:t>
+                <a:t> </a:t>
               </a:r>
+              <a:r>
+                <a:rPr lang="en-US" sz="1000" dirty="0" err="1" smtClean="0">
+                  <a:solidFill>
+                    <a:schemeClr val="tx2"/>
+                  </a:solidFill>
+                </a:rPr>
+                <a:t>HausratGrunddeckungstyp</a:t>
+              </a:r>
+              <a:endParaRPr lang="en-US" sz="1000" dirty="0" smtClean="0">
+                <a:solidFill>
+                  <a:schemeClr val="tx2"/>
+                </a:solidFill>
+              </a:endParaRPr>
             </a:p>
             <a:p>
               <a:pPr algn="ctr" defTabSz="857250"/>
               <a:r>
-                <a:rPr lang="en-US" sz="1000" smtClean="0">
+                <a:rPr lang="en-US" sz="1000" dirty="0" err="1" smtClean="0">
                   <a:solidFill>
-                    <a:srgbClr val="FFFFFF"/>
+                    <a:schemeClr val="tx2"/>
                   </a:solidFill>
                 </a:rPr>
                 <a:t>Anpassungsstufe</a:t>
               </a:r>
+              <a:endParaRPr lang="en-US" sz="1000" dirty="0" smtClean="0">
+                <a:solidFill>
+                  <a:schemeClr val="tx2"/>
+                </a:solidFill>
+              </a:endParaRPr>
             </a:p>
           </p:txBody>
         </p:sp>
@@ -13533,6 +13559,9 @@
             <a:chOff x="254719" y="1019700"/>
             <a:chExt cx="3600000" cy="2644478"/>
           </a:xfrm>
+          <a:solidFill>
+            <a:schemeClr val="bg1"/>
+          </a:solidFill>
         </p:grpSpPr>
         <p:sp>
           <p:nvSpPr>
@@ -13554,9 +13583,7 @@
             <a:prstGeom prst="rect">
               <a:avLst/>
             </a:prstGeom>
-            <a:solidFill>
-              <a:schemeClr val="bg1"/>
-            </a:solidFill>
+            <a:grpFill/>
             <a:ln w="12700">
               <a:solidFill>
                 <a:schemeClr val="tx1"/>
@@ -13606,9 +13633,7 @@
             <a:prstGeom prst="rect">
               <a:avLst/>
             </a:prstGeom>
-            <a:solidFill>
-              <a:srgbClr val="7A51C5"/>
-            </a:solidFill>
+            <a:grpFill/>
             <a:ln w="9525">
               <a:solidFill>
                 <a:schemeClr val="tx1"/>
@@ -13628,13 +13653,26 @@
                 </a:spcAft>
               </a:pPr>
               <a:r>
-                <a:rPr lang="en-US" sz="1100" smtClean="0">
+                <a:rPr lang="en-US" sz="1100" dirty="0" smtClean="0">
                   <a:solidFill>
-                    <a:srgbClr val="FFFFFF"/>
+                    <a:schemeClr val="accent4"/>
                   </a:solidFill>
                 </a:rPr>
-                <a:t>   TariftabelleHausrat</a:t>
+                <a:t>   </a:t>
               </a:r>
+              <a:r>
+                <a:rPr lang="en-US" sz="1100" dirty="0" err="1" smtClean="0">
+                  <a:solidFill>
+                    <a:schemeClr val="accent4"/>
+                  </a:solidFill>
+                </a:rPr>
+                <a:t>TariftabelleHausrat</a:t>
+              </a:r>
+              <a:endParaRPr lang="en-US" sz="1100" dirty="0" smtClean="0">
+                <a:solidFill>
+                  <a:schemeClr val="accent4"/>
+                </a:solidFill>
+              </a:endParaRPr>
             </a:p>
           </p:txBody>
         </p:sp>
@@ -14427,17 +14465,13 @@
         </p:nvSpPr>
         <p:spPr bwMode="auto">
           <a:xfrm>
-            <a:off x="7405688" y="4184650"/>
+            <a:off x="7406908" y="4143375"/>
             <a:ext cx="1414462" cy="792163"/>
           </a:xfrm>
           <a:prstGeom prst="rect">
             <a:avLst/>
           </a:prstGeom>
-          <a:solidFill>
-            <a:schemeClr val="bg1">
-              <a:alpha val="0"/>
-            </a:schemeClr>
-          </a:solidFill>
+          <a:noFill/>
           <a:ln w="34925">
             <a:solidFill>
               <a:srgbClr val="FF0000"/>
@@ -14539,350 +14573,6 @@
       </p:sp>
       <p:sp>
         <p:nvSpPr>
-          <p:cNvPr id="21532" name="Ellipse 42"/>
-          <p:cNvSpPr>
-            <a:spLocks noChangeAspect="1"/>
-          </p:cNvSpPr>
-          <p:nvPr/>
-        </p:nvSpPr>
-        <p:spPr bwMode="auto">
-          <a:xfrm>
-            <a:off x="319088" y="1600200"/>
-            <a:ext cx="215900" cy="215900"/>
-          </a:xfrm>
-          <a:prstGeom prst="ellipse">
-            <a:avLst/>
-          </a:prstGeom>
-          <a:solidFill>
-            <a:srgbClr val="7A51C5"/>
-          </a:solidFill>
-          <a:ln w="12700">
-            <a:solidFill>
-              <a:schemeClr val="bg1"/>
-            </a:solidFill>
-            <a:miter lim="800000"/>
-            <a:headEnd/>
-            <a:tailEnd/>
-          </a:ln>
-        </p:spPr>
-        <p:txBody>
-          <a:bodyPr wrap="none" lIns="36000" tIns="36000" rIns="36000" bIns="36000" anchor="ctr" anchorCtr="1"/>
-          <a:lstStyle/>
-          <a:p>
-            <a:pPr algn="ctr" defTabSz="357188">
-              <a:lnSpc>
-                <a:spcPct val="90000"/>
-              </a:lnSpc>
-              <a:spcBef>
-                <a:spcPts val="500"/>
-              </a:spcBef>
-              <a:buClr>
-                <a:srgbClr val="585858"/>
-              </a:buClr>
-              <a:buSzPct val="100000"/>
-              <a:tabLst>
-                <a:tab pos="180975" algn="l"/>
-              </a:tabLst>
-            </a:pPr>
-            <a:r>
-              <a:rPr lang="de-DE" sz="1200" b="1" smtClean="0">
-                <a:solidFill>
-                  <a:srgbClr val="FFFFFF"/>
-                </a:solidFill>
-                <a:sym typeface="Arial" charset="0"/>
-              </a:rPr>
-              <a:t>V</a:t>
-            </a:r>
-          </a:p>
-        </p:txBody>
-      </p:sp>
-      <p:sp>
-        <p:nvSpPr>
-          <p:cNvPr id="21533" name="Ellipse 43"/>
-          <p:cNvSpPr>
-            <a:spLocks noChangeAspect="1"/>
-          </p:cNvSpPr>
-          <p:nvPr/>
-        </p:nvSpPr>
-        <p:spPr bwMode="auto">
-          <a:xfrm>
-            <a:off x="2701925" y="1600200"/>
-            <a:ext cx="215900" cy="215900"/>
-          </a:xfrm>
-          <a:prstGeom prst="ellipse">
-            <a:avLst/>
-          </a:prstGeom>
-          <a:solidFill>
-            <a:srgbClr val="7A51C5"/>
-          </a:solidFill>
-          <a:ln w="12700">
-            <a:solidFill>
-              <a:schemeClr val="bg1"/>
-            </a:solidFill>
-            <a:miter lim="800000"/>
-            <a:headEnd/>
-            <a:tailEnd/>
-          </a:ln>
-        </p:spPr>
-        <p:txBody>
-          <a:bodyPr wrap="none" lIns="18000" tIns="18000" rIns="0" bIns="0" anchor="ctr" anchorCtr="1"/>
-          <a:lstStyle/>
-          <a:p>
-            <a:pPr algn="ctr" defTabSz="357188">
-              <a:lnSpc>
-                <a:spcPct val="90000"/>
-              </a:lnSpc>
-              <a:spcBef>
-                <a:spcPts val="500"/>
-              </a:spcBef>
-              <a:buClr>
-                <a:srgbClr val="585858"/>
-              </a:buClr>
-              <a:buSzPct val="100000"/>
-              <a:tabLst>
-                <a:tab pos="180975" algn="l"/>
-              </a:tabLst>
-            </a:pPr>
-            <a:r>
-              <a:rPr lang="de-DE" sz="1200" b="1" smtClean="0">
-                <a:solidFill>
-                  <a:srgbClr val="FFFFFF"/>
-                </a:solidFill>
-                <a:sym typeface="Arial" charset="0"/>
-              </a:rPr>
-              <a:t>P</a:t>
-            </a:r>
-          </a:p>
-        </p:txBody>
-      </p:sp>
-      <p:sp>
-        <p:nvSpPr>
-          <p:cNvPr id="21534" name="Ellipse 44"/>
-          <p:cNvSpPr>
-            <a:spLocks noChangeAspect="1"/>
-          </p:cNvSpPr>
-          <p:nvPr/>
-        </p:nvSpPr>
-        <p:spPr bwMode="auto">
-          <a:xfrm>
-            <a:off x="2689225" y="4321175"/>
-            <a:ext cx="215900" cy="215900"/>
-          </a:xfrm>
-          <a:prstGeom prst="ellipse">
-            <a:avLst/>
-          </a:prstGeom>
-          <a:solidFill>
-            <a:srgbClr val="7A51C5"/>
-          </a:solidFill>
-          <a:ln w="12700">
-            <a:solidFill>
-              <a:schemeClr val="bg1"/>
-            </a:solidFill>
-            <a:miter lim="800000"/>
-            <a:headEnd/>
-            <a:tailEnd/>
-          </a:ln>
-        </p:spPr>
-        <p:txBody>
-          <a:bodyPr wrap="none" lIns="18000" tIns="18000" rIns="0" bIns="0" anchor="ctr" anchorCtr="1"/>
-          <a:lstStyle/>
-          <a:p>
-            <a:pPr algn="ctr" defTabSz="357188">
-              <a:lnSpc>
-                <a:spcPct val="90000"/>
-              </a:lnSpc>
-              <a:spcBef>
-                <a:spcPts val="500"/>
-              </a:spcBef>
-              <a:buClr>
-                <a:srgbClr val="585858"/>
-              </a:buClr>
-              <a:buSzPct val="100000"/>
-              <a:tabLst>
-                <a:tab pos="180975" algn="l"/>
-              </a:tabLst>
-            </a:pPr>
-            <a:r>
-              <a:rPr lang="de-DE" sz="1200" b="1" smtClean="0">
-                <a:solidFill>
-                  <a:srgbClr val="FFFFFF"/>
-                </a:solidFill>
-                <a:sym typeface="Arial" charset="0"/>
-              </a:rPr>
-              <a:t>P</a:t>
-            </a:r>
-          </a:p>
-        </p:txBody>
-      </p:sp>
-      <p:sp>
-        <p:nvSpPr>
-          <p:cNvPr id="21535" name="Ellipse 45"/>
-          <p:cNvSpPr>
-            <a:spLocks noChangeAspect="1"/>
-          </p:cNvSpPr>
-          <p:nvPr/>
-        </p:nvSpPr>
-        <p:spPr bwMode="auto">
-          <a:xfrm>
-            <a:off x="5076825" y="4333875"/>
-            <a:ext cx="215900" cy="215900"/>
-          </a:xfrm>
-          <a:prstGeom prst="ellipse">
-            <a:avLst/>
-          </a:prstGeom>
-          <a:solidFill>
-            <a:srgbClr val="7A51C5"/>
-          </a:solidFill>
-          <a:ln w="12700">
-            <a:solidFill>
-              <a:schemeClr val="bg1"/>
-            </a:solidFill>
-            <a:miter lim="800000"/>
-            <a:headEnd/>
-            <a:tailEnd/>
-          </a:ln>
-        </p:spPr>
-        <p:txBody>
-          <a:bodyPr wrap="none" lIns="18000" tIns="18000" rIns="0" bIns="0" anchor="ctr" anchorCtr="1"/>
-          <a:lstStyle/>
-          <a:p>
-            <a:pPr algn="ctr" defTabSz="357188">
-              <a:lnSpc>
-                <a:spcPct val="90000"/>
-              </a:lnSpc>
-              <a:spcBef>
-                <a:spcPts val="500"/>
-              </a:spcBef>
-              <a:buClr>
-                <a:srgbClr val="585858"/>
-              </a:buClr>
-              <a:buSzPct val="100000"/>
-              <a:tabLst>
-                <a:tab pos="180975" algn="l"/>
-              </a:tabLst>
-            </a:pPr>
-            <a:r>
-              <a:rPr lang="de-DE" sz="1200" b="1" smtClean="0">
-                <a:solidFill>
-                  <a:srgbClr val="FFFFFF"/>
-                </a:solidFill>
-                <a:sym typeface="Arial" charset="0"/>
-              </a:rPr>
-              <a:t>P</a:t>
-            </a:r>
-          </a:p>
-        </p:txBody>
-      </p:sp>
-      <p:sp>
-        <p:nvSpPr>
-          <p:cNvPr id="21536" name="Ellipse 46"/>
-          <p:cNvSpPr>
-            <a:spLocks noChangeAspect="1"/>
-          </p:cNvSpPr>
-          <p:nvPr/>
-        </p:nvSpPr>
-        <p:spPr bwMode="auto">
-          <a:xfrm>
-            <a:off x="276225" y="4324350"/>
-            <a:ext cx="215900" cy="215900"/>
-          </a:xfrm>
-          <a:prstGeom prst="ellipse">
-            <a:avLst/>
-          </a:prstGeom>
-          <a:solidFill>
-            <a:srgbClr val="7A51C5"/>
-          </a:solidFill>
-          <a:ln w="12700">
-            <a:solidFill>
-              <a:schemeClr val="bg1"/>
-            </a:solidFill>
-            <a:miter lim="800000"/>
-            <a:headEnd/>
-            <a:tailEnd/>
-          </a:ln>
-        </p:spPr>
-        <p:txBody>
-          <a:bodyPr wrap="none" lIns="36000" tIns="36000" rIns="36000" bIns="36000" anchor="ctr" anchorCtr="1"/>
-          <a:lstStyle/>
-          <a:p>
-            <a:pPr algn="ctr" defTabSz="357188">
-              <a:lnSpc>
-                <a:spcPct val="90000"/>
-              </a:lnSpc>
-              <a:spcBef>
-                <a:spcPts val="500"/>
-              </a:spcBef>
-              <a:buClr>
-                <a:srgbClr val="585858"/>
-              </a:buClr>
-              <a:buSzPct val="100000"/>
-              <a:tabLst>
-                <a:tab pos="180975" algn="l"/>
-              </a:tabLst>
-            </a:pPr>
-            <a:r>
-              <a:rPr lang="de-DE" sz="1200" b="1" smtClean="0">
-                <a:solidFill>
-                  <a:srgbClr val="FFFFFF"/>
-                </a:solidFill>
-                <a:sym typeface="Arial" charset="0"/>
-              </a:rPr>
-              <a:t>V</a:t>
-            </a:r>
-          </a:p>
-        </p:txBody>
-      </p:sp>
-      <p:pic>
-        <p:nvPicPr>
-          <p:cNvPr id="21537" name="Picture 43" descr="C:\dev\fips-head\org.faktorips.devtools.core.ui\icons\TableStructure.gif"/>
-          <p:cNvPicPr>
-            <a:picLocks noChangeAspect="1" noChangeArrowheads="1"/>
-          </p:cNvPicPr>
-          <p:nvPr/>
-        </p:nvPicPr>
-        <p:blipFill>
-          <a:blip r:embed="rId15">
-            <a:extLst>
-              <a:ext uri="{28A0092B-C50C-407E-A947-70E740481C1C}">
-                <a14:useLocalDpi xmlns:a14="http://schemas.microsoft.com/office/drawing/2010/main" val="0"/>
-              </a:ext>
-            </a:extLst>
-          </a:blip>
-          <a:srcRect/>
-          <a:stretch>
-            <a:fillRect/>
-          </a:stretch>
-        </p:blipFill>
-        <p:spPr bwMode="auto">
-          <a:xfrm>
-            <a:off x="7443788" y="4365625"/>
-            <a:ext cx="152400" cy="152400"/>
-          </a:xfrm>
-          <a:prstGeom prst="rect">
-            <a:avLst/>
-          </a:prstGeom>
-          <a:noFill/>
-          <a:ln w="9525">
-            <a:solidFill>
-              <a:schemeClr val="bg1"/>
-            </a:solidFill>
-            <a:miter lim="800000"/>
-            <a:headEnd/>
-            <a:tailEnd/>
-          </a:ln>
-          <a:extLst>
-            <a:ext uri="{909E8E84-426E-40DD-AFC4-6F175D3DCCD1}">
-              <a14:hiddenFill xmlns:a14="http://schemas.microsoft.com/office/drawing/2010/main">
-                <a:solidFill>
-                  <a:srgbClr val="FFFFFF"/>
-                </a:solidFill>
-              </a14:hiddenFill>
-            </a:ext>
-          </a:extLst>
-        </p:spPr>
-      </p:pic>
-      <p:sp>
-        <p:nvSpPr>
           <p:cNvPr id="3" name="Datumsplatzhalter 2"/>
           <p:cNvSpPr>
             <a:spLocks noGrp="1"/>
@@ -14898,7 +14588,7 @@
           <a:p>
             <a:fld id="{62D8E61F-D67C-4C13-8869-BD11154E795D}" type="datetime1">
               <a:rPr lang="de-DE" smtClean="0"/>
-              <a:t>17.05.2013</a:t>
+              <a:t>16.04.2015</a:t>
             </a:fld>
             <a:endParaRPr lang="de-DE" dirty="0"/>
           </a:p>
@@ -15245,7 +14935,7 @@
           <a:p>
             <a:fld id="{B124575F-FCC4-4195-8C8E-7BC0DDDE4793}" type="datetime1">
               <a:rPr lang="de-DE" smtClean="0"/>
-              <a:t>17.05.2013</a:t>
+              <a:t>16.04.2015</a:t>
             </a:fld>
             <a:endParaRPr lang="de-DE" dirty="0"/>
           </a:p>
@@ -16633,7 +16323,7 @@
           <a:p>
             <a:fld id="{04BEF5A6-92D7-4643-8687-DFB0A973F745}" type="datetime1">
               <a:rPr lang="de-DE" smtClean="0"/>
-              <a:t>17.05.2013</a:t>
+              <a:t>16.04.2015</a:t>
             </a:fld>
             <a:endParaRPr lang="de-DE" dirty="0"/>
           </a:p>
@@ -16995,7 +16685,7 @@
           <a:p>
             <a:fld id="{D002AD4E-3030-4504-BEBE-143FA5CFC76F}" type="datetime1">
               <a:rPr lang="de-DE" smtClean="0"/>
-              <a:t>17.05.2013</a:t>
+              <a:t>16.04.2015</a:t>
             </a:fld>
             <a:endParaRPr lang="de-DE" dirty="0"/>
           </a:p>
@@ -17153,7 +16843,7 @@
           <a:p>
             <a:fld id="{9A6C6ED3-B545-4308-ADDA-9AA8CAC23C31}" type="datetime1">
               <a:rPr lang="de-DE" smtClean="0"/>
-              <a:t>17.05.2013</a:t>
+              <a:t>16.04.2015</a:t>
             </a:fld>
             <a:endParaRPr lang="de-DE" dirty="0"/>
           </a:p>
@@ -17619,7 +17309,7 @@
           <a:p>
             <a:fld id="{4082FEB5-BBD7-4EFD-A9D9-5BDCEBFB6CFF}" type="datetime1">
               <a:rPr lang="de-DE" smtClean="0"/>
-              <a:t>17.05.2013</a:t>
+              <a:t>16.04.2015</a:t>
             </a:fld>
             <a:endParaRPr lang="de-DE" dirty="0"/>
           </a:p>
@@ -17841,7 +17531,7 @@
           <a:p>
             <a:fld id="{13BC860C-D3B5-4AF9-8CFD-EF0E48C4AA5A}" type="datetime1">
               <a:rPr lang="de-DE" smtClean="0"/>
-              <a:t>17.05.2013</a:t>
+              <a:t>16.04.2015</a:t>
             </a:fld>
             <a:endParaRPr lang="de-DE" dirty="0"/>
           </a:p>
@@ -17999,7 +17689,7 @@
           <a:p>
             <a:fld id="{CA4C7D18-B015-42C3-98CB-D54F6E43A180}" type="datetime1">
               <a:rPr lang="de-DE" smtClean="0"/>
-              <a:t>17.05.2013</a:t>
+              <a:t>16.04.2015</a:t>
             </a:fld>
             <a:endParaRPr lang="de-DE" dirty="0"/>
           </a:p>
@@ -18993,22 +18683,7 @@
                           <a:ea typeface="+mn-ea"/>
                           <a:cs typeface="+mn-cs"/>
                         </a:rPr>
-                        <a:t> </a:t>
-                      </a:r>
-                      <a:r>
-                        <a:rPr kumimoji="0" lang="en-US" sz="1600" b="1" i="0" u="none" strike="noStrike" kern="1200" cap="none" normalizeH="0" baseline="0" dirty="0" smtClean="0">
-                          <a:ln>
-                            <a:noFill/>
-                          </a:ln>
-                          <a:solidFill>
-                            <a:schemeClr val="tx1"/>
-                          </a:solidFill>
-                          <a:effectLst/>
-                          <a:latin typeface="Arial" pitchFamily="34" charset="0"/>
-                          <a:ea typeface="+mn-ea"/>
-                          <a:cs typeface="+mn-cs"/>
-                        </a:rPr>
-                        <a:t>und</a:t>
+                        <a:t> und</a:t>
                       </a:r>
                       <a:br>
                         <a:rPr kumimoji="0" lang="en-US" sz="1600" b="1" i="0" u="none" strike="noStrike" kern="1200" cap="none" normalizeH="0" baseline="0" dirty="0" smtClean="0">
@@ -19194,7 +18869,7 @@
           <a:p>
             <a:fld id="{5B287A33-6876-4505-879B-4C7C2FABC920}" type="datetime1">
               <a:rPr lang="de-DE" smtClean="0"/>
-              <a:t>17.05.2013</a:t>
+              <a:t>16.04.2015</a:t>
             </a:fld>
             <a:endParaRPr lang="de-DE" dirty="0"/>
           </a:p>
@@ -19636,7 +19311,7 @@
           <a:p>
             <a:fld id="{2E9CCEF3-4D63-4B44-88B4-227F5744A55D}" type="datetime1">
               <a:rPr lang="de-DE" smtClean="0"/>
-              <a:t>17.05.2013</a:t>
+              <a:t>16.04.2015</a:t>
             </a:fld>
             <a:endParaRPr lang="de-DE" dirty="0"/>
           </a:p>
@@ -20500,7 +20175,7 @@
           <a:p>
             <a:fld id="{5E8DCF63-47C5-40DA-AA88-F25A79253913}" type="datetime1">
               <a:rPr lang="de-DE" smtClean="0"/>
-              <a:t>17.05.2013</a:t>
+              <a:t>16.04.2015</a:t>
             </a:fld>
             <a:endParaRPr lang="de-DE" dirty="0"/>
           </a:p>
@@ -21220,7 +20895,7 @@
           <a:p>
             <a:fld id="{0BA64CA8-80B1-4B5E-A27B-ED2D1671414E}" type="datetime1">
               <a:rPr lang="de-DE" smtClean="0"/>
-              <a:t>17.05.2013</a:t>
+              <a:t>16.04.2015</a:t>
             </a:fld>
             <a:endParaRPr lang="de-DE" dirty="0"/>
           </a:p>
@@ -24060,7 +23735,7 @@
           <a:p>
             <a:fld id="{216CC7B9-CFFF-4B65-BBE6-31686FB12DB6}" type="datetime1">
               <a:rPr lang="de-DE" smtClean="0"/>
-              <a:t>17.05.2013</a:t>
+              <a:t>16.04.2015</a:t>
             </a:fld>
             <a:endParaRPr lang="de-DE" dirty="0"/>
           </a:p>
